--- a/DASC3240_items/L03_BadSlide2.pptx
+++ b/DASC3240_items/L03_BadSlide2.pptx
@@ -104,6 +104,11 @@
       </a:defRPr>
     </a:lvl9pPr>
   </p:defaultTextStyle>
+  <p:extLst>
+    <p:ext uri="{EFAFB233-063F-42B5-8137-9DF3F51BA10A}">
+      <p15:sldGuideLst xmlns:p15="http://schemas.microsoft.com/office/powerpoint/2012/main"/>
+    </p:ext>
+  </p:extLst>
 </p:presentation>
 </file>
 
@@ -256,7 +261,7 @@
           <a:p>
             <a:fld id="{FF82EE42-00B7-AE40-B420-EAF87B8266CD}" type="datetimeFigureOut">
               <a:rPr lang="en-JP" smtClean="0"/>
-              <a:t>2025/01/29</a:t>
+              <a:t>2025/02/06</a:t>
             </a:fld>
             <a:endParaRPr lang="en-JP"/>
           </a:p>
@@ -456,7 +461,7 @@
           <a:p>
             <a:fld id="{FF82EE42-00B7-AE40-B420-EAF87B8266CD}" type="datetimeFigureOut">
               <a:rPr lang="en-JP" smtClean="0"/>
-              <a:t>2025/01/29</a:t>
+              <a:t>2025/02/06</a:t>
             </a:fld>
             <a:endParaRPr lang="en-JP"/>
           </a:p>
@@ -666,7 +671,7 @@
           <a:p>
             <a:fld id="{FF82EE42-00B7-AE40-B420-EAF87B8266CD}" type="datetimeFigureOut">
               <a:rPr lang="en-JP" smtClean="0"/>
-              <a:t>2025/01/29</a:t>
+              <a:t>2025/02/06</a:t>
             </a:fld>
             <a:endParaRPr lang="en-JP"/>
           </a:p>
@@ -866,7 +871,7 @@
           <a:p>
             <a:fld id="{FF82EE42-00B7-AE40-B420-EAF87B8266CD}" type="datetimeFigureOut">
               <a:rPr lang="en-JP" smtClean="0"/>
-              <a:t>2025/01/29</a:t>
+              <a:t>2025/02/06</a:t>
             </a:fld>
             <a:endParaRPr lang="en-JP"/>
           </a:p>
@@ -1142,7 +1147,7 @@
           <a:p>
             <a:fld id="{FF82EE42-00B7-AE40-B420-EAF87B8266CD}" type="datetimeFigureOut">
               <a:rPr lang="en-JP" smtClean="0"/>
-              <a:t>2025/01/29</a:t>
+              <a:t>2025/02/06</a:t>
             </a:fld>
             <a:endParaRPr lang="en-JP"/>
           </a:p>
@@ -1410,7 +1415,7 @@
           <a:p>
             <a:fld id="{FF82EE42-00B7-AE40-B420-EAF87B8266CD}" type="datetimeFigureOut">
               <a:rPr lang="en-JP" smtClean="0"/>
-              <a:t>2025/01/29</a:t>
+              <a:t>2025/02/06</a:t>
             </a:fld>
             <a:endParaRPr lang="en-JP"/>
           </a:p>
@@ -1825,7 +1830,7 @@
           <a:p>
             <a:fld id="{FF82EE42-00B7-AE40-B420-EAF87B8266CD}" type="datetimeFigureOut">
               <a:rPr lang="en-JP" smtClean="0"/>
-              <a:t>2025/01/29</a:t>
+              <a:t>2025/02/06</a:t>
             </a:fld>
             <a:endParaRPr lang="en-JP"/>
           </a:p>
@@ -1967,7 +1972,7 @@
           <a:p>
             <a:fld id="{FF82EE42-00B7-AE40-B420-EAF87B8266CD}" type="datetimeFigureOut">
               <a:rPr lang="en-JP" smtClean="0"/>
-              <a:t>2025/01/29</a:t>
+              <a:t>2025/02/06</a:t>
             </a:fld>
             <a:endParaRPr lang="en-JP"/>
           </a:p>
@@ -2080,7 +2085,7 @@
           <a:p>
             <a:fld id="{FF82EE42-00B7-AE40-B420-EAF87B8266CD}" type="datetimeFigureOut">
               <a:rPr lang="en-JP" smtClean="0"/>
-              <a:t>2025/01/29</a:t>
+              <a:t>2025/02/06</a:t>
             </a:fld>
             <a:endParaRPr lang="en-JP"/>
           </a:p>
@@ -2393,7 +2398,7 @@
           <a:p>
             <a:fld id="{FF82EE42-00B7-AE40-B420-EAF87B8266CD}" type="datetimeFigureOut">
               <a:rPr lang="en-JP" smtClean="0"/>
-              <a:t>2025/01/29</a:t>
+              <a:t>2025/02/06</a:t>
             </a:fld>
             <a:endParaRPr lang="en-JP"/>
           </a:p>
@@ -2682,7 +2687,7 @@
           <a:p>
             <a:fld id="{FF82EE42-00B7-AE40-B420-EAF87B8266CD}" type="datetimeFigureOut">
               <a:rPr lang="en-JP" smtClean="0"/>
-              <a:t>2025/01/29</a:t>
+              <a:t>2025/02/06</a:t>
             </a:fld>
             <a:endParaRPr lang="en-JP"/>
           </a:p>
@@ -2925,7 +2930,7 @@
           <a:p>
             <a:fld id="{FF82EE42-00B7-AE40-B420-EAF87B8266CD}" type="datetimeFigureOut">
               <a:rPr lang="en-JP" smtClean="0"/>
-              <a:t>2025/01/29</a:t>
+              <a:t>2025/02/06</a:t>
             </a:fld>
             <a:endParaRPr lang="en-JP"/>
           </a:p>
@@ -3358,11 +3363,19 @@
             <p:ph type="title"/>
           </p:nvPr>
         </p:nvSpPr>
-        <p:spPr/>
-        <p:txBody>
-          <a:bodyPr/>
-          <a:lstStyle/>
-          <a:p>
+        <p:spPr>
+          <a:xfrm>
+            <a:off x="838200" y="365124"/>
+            <a:ext cx="4910528" cy="2640403"/>
+          </a:xfrm>
+        </p:spPr>
+        <p:txBody>
+          <a:bodyPr>
+            <a:normAutofit/>
+          </a:bodyPr>
+          <a:lstStyle/>
+          <a:p>
+            <a:pPr algn="ctr"/>
             <a:r>
               <a:rPr lang="en-JP" dirty="0">
                 <a:latin typeface="Times New Roman" panose="02020603050405020304" pitchFamily="18" charset="0"/>
@@ -3411,8 +3424,8 @@
         </p:blipFill>
         <p:spPr>
           <a:xfrm>
-            <a:off x="4972050" y="1690688"/>
-            <a:ext cx="6796088" cy="4449762"/>
+            <a:off x="6168452" y="622092"/>
+            <a:ext cx="5599685" cy="5518358"/>
           </a:xfrm>
         </p:spPr>
       </p:pic>
@@ -3469,8 +3482,8 @@
         </p:nvSpPr>
         <p:spPr>
           <a:xfrm>
-            <a:off x="1123013" y="2044814"/>
-            <a:ext cx="3343275" cy="3970318"/>
+            <a:off x="988101" y="3158709"/>
+            <a:ext cx="4910528" cy="2862322"/>
           </a:xfrm>
           <a:prstGeom prst="rect">
             <a:avLst/>
@@ -3559,6 +3572,18 @@
               <a:t>. </a:t>
             </a:r>
             <a:r>
+              <a:rPr lang="en-JP" b="1" i="1" u="sng" dirty="0">
+                <a:solidFill>
+                  <a:schemeClr val="accent2">
+                    <a:lumMod val="75000"/>
+                  </a:schemeClr>
+                </a:solidFill>
+                <a:latin typeface="Times New Roman" panose="02020603050405020304" pitchFamily="18" charset="0"/>
+                <a:cs typeface="Times New Roman" panose="02020603050405020304" pitchFamily="18" charset="0"/>
+              </a:rPr>
+              <a:t>Vespa analis insularis</a:t>
+            </a:r>
+            <a:r>
               <a:rPr lang="en-JP" i="1" dirty="0">
                 <a:solidFill>
                   <a:srgbClr val="C00000"/>
@@ -3566,7 +3591,7 @@
                 <a:latin typeface="Times New Roman" panose="02020603050405020304" pitchFamily="18" charset="0"/>
                 <a:cs typeface="Times New Roman" panose="02020603050405020304" pitchFamily="18" charset="0"/>
               </a:rPr>
-              <a:t>Vespa analis insularis </a:t>
+              <a:t> </a:t>
             </a:r>
             <a:r>
               <a:rPr lang="en-JP" dirty="0">
@@ -3588,7 +3613,9 @@
             <a:r>
               <a:rPr lang="en-JP" dirty="0">
                 <a:solidFill>
-                  <a:srgbClr val="C00000"/>
+                  <a:schemeClr val="accent6">
+                    <a:lumMod val="75000"/>
+                  </a:schemeClr>
                 </a:solidFill>
                 <a:latin typeface="Times New Roman" panose="02020603050405020304" pitchFamily="18" charset="0"/>
                 <a:cs typeface="Times New Roman" panose="02020603050405020304" pitchFamily="18" charset="0"/>
